--- a/docs/presentation.pptx
+++ b/docs/presentation.pptx
@@ -206,7 +206,7 @@
           <a:p>
             <a:fld id="{024255DF-EDEB-C64D-9484-53068C422A61}" type="datetimeFigureOut">
               <a:rPr lang="en-US" smtClean="0"/>
-              <a:t>12/11/16</a:t>
+              <a:t>12/12/16</a:t>
             </a:fld>
             <a:endParaRPr lang="en-US"/>
           </a:p>
@@ -743,7 +743,7 @@
           <a:p>
             <a:fld id="{27222D42-D417-CB40-B979-46B496A9FB0D}" type="datetimeFigureOut">
               <a:rPr lang="en-US" smtClean="0"/>
-              <a:t>12/11/16</a:t>
+              <a:t>12/12/16</a:t>
             </a:fld>
             <a:endParaRPr lang="en-US"/>
           </a:p>
@@ -913,7 +913,7 @@
           <a:p>
             <a:fld id="{27222D42-D417-CB40-B979-46B496A9FB0D}" type="datetimeFigureOut">
               <a:rPr lang="en-US" smtClean="0"/>
-              <a:t>12/11/16</a:t>
+              <a:t>12/12/16</a:t>
             </a:fld>
             <a:endParaRPr lang="en-US"/>
           </a:p>
@@ -1093,7 +1093,7 @@
           <a:p>
             <a:fld id="{27222D42-D417-CB40-B979-46B496A9FB0D}" type="datetimeFigureOut">
               <a:rPr lang="en-US" smtClean="0"/>
-              <a:t>12/11/16</a:t>
+              <a:t>12/12/16</a:t>
             </a:fld>
             <a:endParaRPr lang="en-US"/>
           </a:p>
@@ -1263,7 +1263,7 @@
           <a:p>
             <a:fld id="{27222D42-D417-CB40-B979-46B496A9FB0D}" type="datetimeFigureOut">
               <a:rPr lang="en-US" smtClean="0"/>
-              <a:t>12/11/16</a:t>
+              <a:t>12/12/16</a:t>
             </a:fld>
             <a:endParaRPr lang="en-US"/>
           </a:p>
@@ -1509,7 +1509,7 @@
           <a:p>
             <a:fld id="{27222D42-D417-CB40-B979-46B496A9FB0D}" type="datetimeFigureOut">
               <a:rPr lang="en-US" smtClean="0"/>
-              <a:t>12/11/16</a:t>
+              <a:t>12/12/16</a:t>
             </a:fld>
             <a:endParaRPr lang="en-US"/>
           </a:p>
@@ -1797,7 +1797,7 @@
           <a:p>
             <a:fld id="{27222D42-D417-CB40-B979-46B496A9FB0D}" type="datetimeFigureOut">
               <a:rPr lang="en-US" smtClean="0"/>
-              <a:t>12/11/16</a:t>
+              <a:t>12/12/16</a:t>
             </a:fld>
             <a:endParaRPr lang="en-US"/>
           </a:p>
@@ -2219,7 +2219,7 @@
           <a:p>
             <a:fld id="{27222D42-D417-CB40-B979-46B496A9FB0D}" type="datetimeFigureOut">
               <a:rPr lang="en-US" smtClean="0"/>
-              <a:t>12/11/16</a:t>
+              <a:t>12/12/16</a:t>
             </a:fld>
             <a:endParaRPr lang="en-US"/>
           </a:p>
@@ -2337,7 +2337,7 @@
           <a:p>
             <a:fld id="{27222D42-D417-CB40-B979-46B496A9FB0D}" type="datetimeFigureOut">
               <a:rPr lang="en-US" smtClean="0"/>
-              <a:t>12/11/16</a:t>
+              <a:t>12/12/16</a:t>
             </a:fld>
             <a:endParaRPr lang="en-US"/>
           </a:p>
@@ -2432,7 +2432,7 @@
           <a:p>
             <a:fld id="{27222D42-D417-CB40-B979-46B496A9FB0D}" type="datetimeFigureOut">
               <a:rPr lang="en-US" smtClean="0"/>
-              <a:t>12/11/16</a:t>
+              <a:t>12/12/16</a:t>
             </a:fld>
             <a:endParaRPr lang="en-US"/>
           </a:p>
@@ -2709,7 +2709,7 @@
           <a:p>
             <a:fld id="{27222D42-D417-CB40-B979-46B496A9FB0D}" type="datetimeFigureOut">
               <a:rPr lang="en-US" smtClean="0"/>
-              <a:t>12/11/16</a:t>
+              <a:t>12/12/16</a:t>
             </a:fld>
             <a:endParaRPr lang="en-US"/>
           </a:p>
@@ -2962,7 +2962,7 @@
           <a:p>
             <a:fld id="{27222D42-D417-CB40-B979-46B496A9FB0D}" type="datetimeFigureOut">
               <a:rPr lang="en-US" smtClean="0"/>
-              <a:t>12/11/16</a:t>
+              <a:t>12/12/16</a:t>
             </a:fld>
             <a:endParaRPr lang="en-US"/>
           </a:p>
@@ -3175,7 +3175,7 @@
           <a:p>
             <a:fld id="{27222D42-D417-CB40-B979-46B496A9FB0D}" type="datetimeFigureOut">
               <a:rPr lang="en-US" smtClean="0"/>
-              <a:t>12/11/16</a:t>
+              <a:t>12/12/16</a:t>
             </a:fld>
             <a:endParaRPr lang="en-US"/>
           </a:p>
@@ -4584,11 +4584,7 @@
           <a:p>
             <a:r>
               <a:rPr lang="en-US" dirty="0" smtClean="0"/>
-              <a:t>Edge if distance less than 10</a:t>
-            </a:r>
-            <a:r>
-              <a:rPr lang="en-US" dirty="0" smtClean="0"/>
-              <a:t>Å</a:t>
+              <a:t>Edge if distance less than 10Å</a:t>
             </a:r>
             <a:endParaRPr lang="en-US" dirty="0"/>
           </a:p>
@@ -4825,11 +4821,7 @@
           <a:p>
             <a:r>
               <a:rPr lang="en-US" dirty="0" smtClean="0"/>
-              <a:t>Edge if distance less than 10</a:t>
-            </a:r>
-            <a:r>
-              <a:rPr lang="en-US" dirty="0" smtClean="0"/>
-              <a:t>Å</a:t>
+              <a:t>Edge if distance less than 10Å</a:t>
             </a:r>
             <a:endParaRPr lang="en-US" dirty="0"/>
           </a:p>
@@ -5225,7 +5217,6 @@
               <a:rPr lang="en-US" dirty="0" smtClean="0"/>
               <a:t>variables</a:t>
             </a:r>
-            <a:endParaRPr lang="en-US" dirty="0" smtClean="0"/>
           </a:p>
           <a:p>
             <a:r>
@@ -5312,7 +5303,6 @@
               <a:rPr lang="en-US" dirty="0" smtClean="0"/>
               <a:t>Length of protein sequence (acts as prior)</a:t>
             </a:r>
-            <a:endParaRPr lang="en-US" dirty="0" smtClean="0"/>
           </a:p>
           <a:p>
             <a:endParaRPr lang="en-US" dirty="0" smtClean="0"/>
@@ -5646,6 +5636,36 @@
           </a:p>
         </p:txBody>
       </p:sp>
+      <p:pic>
+        <p:nvPicPr>
+          <p:cNvPr id="4" name="Picture 3" descr="graphical_model.pdf"/>
+          <p:cNvPicPr>
+            <a:picLocks noChangeAspect="1"/>
+          </p:cNvPicPr>
+          <p:nvPr/>
+        </p:nvPicPr>
+        <p:blipFill>
+          <a:blip r:embed="rId2">
+            <a:extLst>
+              <a:ext uri="{28A0092B-C50C-407E-A947-70E740481C1C}">
+                <a14:useLocalDpi xmlns:a14="http://schemas.microsoft.com/office/drawing/2010/main" val="0"/>
+              </a:ext>
+            </a:extLst>
+          </a:blip>
+          <a:stretch>
+            <a:fillRect/>
+          </a:stretch>
+        </p:blipFill>
+        <p:spPr>
+          <a:xfrm>
+            <a:off x="2177716" y="1270585"/>
+            <a:ext cx="4790518" cy="5440362"/>
+          </a:xfrm>
+          <a:prstGeom prst="rect">
+            <a:avLst/>
+          </a:prstGeom>
+        </p:spPr>
+      </p:pic>
     </p:spTree>
     <p:extLst>
       <p:ext uri="{BB962C8B-B14F-4D97-AF65-F5344CB8AC3E}">

--- a/docs/presentation.pptx
+++ b/docs/presentation.pptx
@@ -5,7 +5,7 @@
     <p:sldMasterId id="2147483648" r:id="rId1"/>
   </p:sldMasterIdLst>
   <p:notesMasterIdLst>
-    <p:notesMasterId r:id="rId17"/>
+    <p:notesMasterId r:id="rId18"/>
   </p:notesMasterIdLst>
   <p:sldIdLst>
     <p:sldId id="256" r:id="rId2"/>
@@ -19,10 +19,11 @@
     <p:sldId id="271" r:id="rId10"/>
     <p:sldId id="260" r:id="rId11"/>
     <p:sldId id="261" r:id="rId12"/>
-    <p:sldId id="262" r:id="rId13"/>
-    <p:sldId id="263" r:id="rId14"/>
-    <p:sldId id="265" r:id="rId15"/>
-    <p:sldId id="264" r:id="rId16"/>
+    <p:sldId id="272" r:id="rId13"/>
+    <p:sldId id="262" r:id="rId14"/>
+    <p:sldId id="263" r:id="rId15"/>
+    <p:sldId id="273" r:id="rId16"/>
+    <p:sldId id="264" r:id="rId17"/>
   </p:sldIdLst>
   <p:sldSz cx="9144000" cy="6858000" type="screen4x3"/>
   <p:notesSz cx="6858000" cy="9144000"/>
@@ -3666,7 +3667,17 @@
           <a:p>
             <a:r>
               <a:rPr lang="en-US" dirty="0" smtClean="0"/>
-              <a:t>Runtime O(LN^3)</a:t>
+              <a:t>Objective function</a:t>
+            </a:r>
+          </a:p>
+          <a:p>
+            <a:r>
+              <a:rPr lang="en-US" dirty="0" smtClean="0"/>
+              <a:t>Runtime </a:t>
+            </a:r>
+            <a:r>
+              <a:rPr lang="en-US" dirty="0" smtClean="0"/>
+              <a:t>O(LN^3)</a:t>
             </a:r>
           </a:p>
           <a:p>
@@ -3810,7 +3821,7 @@
           <a:p>
             <a:r>
               <a:rPr lang="en-US" dirty="0" smtClean="0"/>
-              <a:t>Results (not conditioned)</a:t>
+              <a:t>Pseudo log-likelihood</a:t>
             </a:r>
             <a:endParaRPr lang="en-US" dirty="0"/>
           </a:p>
@@ -3833,28 +3844,14 @@
           <a:p>
             <a:r>
               <a:rPr lang="en-US" dirty="0" smtClean="0"/>
-              <a:t>Random</a:t>
-            </a:r>
-          </a:p>
-          <a:p>
-            <a:r>
-              <a:rPr lang="en-US" dirty="0" smtClean="0"/>
-              <a:t>Logistic</a:t>
-            </a:r>
-          </a:p>
-          <a:p>
-            <a:r>
-              <a:rPr lang="en-US" dirty="0" smtClean="0"/>
-              <a:t>Parallel Mean Field</a:t>
-            </a:r>
-          </a:p>
-          <a:p>
-            <a:r>
-              <a:rPr lang="en-US" dirty="0" smtClean="0"/>
-              <a:t>Stochastic Gradient Descent</a:t>
-            </a:r>
-          </a:p>
-          <a:p>
+              <a:t>Objective Function</a:t>
+            </a:r>
+          </a:p>
+          <a:p>
+            <a:r>
+              <a:rPr lang="en-US" dirty="0" smtClean="0"/>
+              <a:t>Faster than Mean Field</a:t>
+            </a:r>
             <a:endParaRPr lang="en-US" dirty="0"/>
           </a:p>
         </p:txBody>
@@ -3862,7 +3859,7 @@
     </p:spTree>
     <p:extLst>
       <p:ext uri="{BB962C8B-B14F-4D97-AF65-F5344CB8AC3E}">
-        <p14:creationId xmlns:p14="http://schemas.microsoft.com/office/powerpoint/2010/main" val="3927851064"/>
+        <p14:creationId xmlns:p14="http://schemas.microsoft.com/office/powerpoint/2010/main" val="4158276989"/>
       </p:ext>
     </p:extLst>
   </p:cSld>
@@ -3906,7 +3903,7 @@
           <a:p>
             <a:r>
               <a:rPr lang="en-US" dirty="0" smtClean="0"/>
-              <a:t>Results (conditioned)</a:t>
+              <a:t>Results (not conditioned)</a:t>
             </a:r>
             <a:endParaRPr lang="en-US" dirty="0"/>
           </a:p>
@@ -3949,6 +3946,8 @@
               <a:rPr lang="en-US" dirty="0" smtClean="0"/>
               <a:t>Stochastic Gradient Descent</a:t>
             </a:r>
+          </a:p>
+          <a:p>
             <a:endParaRPr lang="en-US" dirty="0"/>
           </a:p>
         </p:txBody>
@@ -3956,7 +3955,7 @@
     </p:spTree>
     <p:extLst>
       <p:ext uri="{BB962C8B-B14F-4D97-AF65-F5344CB8AC3E}">
-        <p14:creationId xmlns:p14="http://schemas.microsoft.com/office/powerpoint/2010/main" val="1429418324"/>
+        <p14:creationId xmlns:p14="http://schemas.microsoft.com/office/powerpoint/2010/main" val="3927851064"/>
       </p:ext>
     </p:extLst>
   </p:cSld>
@@ -4000,7 +3999,11 @@
           <a:p>
             <a:r>
               <a:rPr lang="en-US" dirty="0" smtClean="0"/>
-              <a:t>Problem: Amino Acid Features</a:t>
+              <a:t>Results (</a:t>
+            </a:r>
+            <a:r>
+              <a:rPr lang="en-US" dirty="0" smtClean="0"/>
+              <a:t>conditioned if available)</a:t>
             </a:r>
             <a:endParaRPr lang="en-US" dirty="0"/>
           </a:p>
@@ -4023,7 +4026,25 @@
           <a:p>
             <a:r>
               <a:rPr lang="en-US" dirty="0" smtClean="0"/>
-              <a:t>ROC curve using only amino acid features?</a:t>
+              <a:t>Random</a:t>
+            </a:r>
+          </a:p>
+          <a:p>
+            <a:r>
+              <a:rPr lang="en-US" dirty="0" smtClean="0"/>
+              <a:t>Logistic</a:t>
+            </a:r>
+          </a:p>
+          <a:p>
+            <a:r>
+              <a:rPr lang="en-US" dirty="0" smtClean="0"/>
+              <a:t>Parallel Mean Field</a:t>
+            </a:r>
+          </a:p>
+          <a:p>
+            <a:r>
+              <a:rPr lang="en-US" dirty="0" smtClean="0"/>
+              <a:t>Stochastic Gradient Descent</a:t>
             </a:r>
             <a:endParaRPr lang="en-US" dirty="0"/>
           </a:p>
@@ -4032,7 +4053,7 @@
     </p:spTree>
     <p:extLst>
       <p:ext uri="{BB962C8B-B14F-4D97-AF65-F5344CB8AC3E}">
-        <p14:creationId xmlns:p14="http://schemas.microsoft.com/office/powerpoint/2010/main" val="2081940159"/>
+        <p14:creationId xmlns:p14="http://schemas.microsoft.com/office/powerpoint/2010/main" val="1429418324"/>
       </p:ext>
     </p:extLst>
   </p:cSld>
@@ -4043,6 +4064,119 @@
 </file>
 
 <file path=ppt/slides/slide15.xml><?xml version="1.0" encoding="utf-8"?>
+<p:sld xmlns:a="http://schemas.openxmlformats.org/drawingml/2006/main" xmlns:r="http://schemas.openxmlformats.org/officeDocument/2006/relationships" xmlns:p="http://schemas.openxmlformats.org/presentationml/2006/main">
+  <p:cSld>
+    <p:spTree>
+      <p:nvGrpSpPr>
+        <p:cNvPr id="1" name=""/>
+        <p:cNvGrpSpPr/>
+        <p:nvPr/>
+      </p:nvGrpSpPr>
+      <p:grpSpPr>
+        <a:xfrm>
+          <a:off x="0" y="0"/>
+          <a:ext cx="0" cy="0"/>
+          <a:chOff x="0" y="0"/>
+          <a:chExt cx="0" cy="0"/>
+        </a:xfrm>
+      </p:grpSpPr>
+      <p:sp>
+        <p:nvSpPr>
+          <p:cNvPr id="2" name="Title 1"/>
+          <p:cNvSpPr>
+            <a:spLocks noGrp="1"/>
+          </p:cNvSpPr>
+          <p:nvPr>
+            <p:ph type="title"/>
+          </p:nvPr>
+        </p:nvSpPr>
+        <p:spPr/>
+        <p:txBody>
+          <a:bodyPr/>
+          <a:lstStyle/>
+          <a:p>
+            <a:r>
+              <a:rPr lang="en-US" dirty="0" smtClean="0"/>
+              <a:t>Problems</a:t>
+            </a:r>
+            <a:endParaRPr lang="en-US" dirty="0"/>
+          </a:p>
+        </p:txBody>
+      </p:sp>
+      <p:sp>
+        <p:nvSpPr>
+          <p:cNvPr id="3" name="Content Placeholder 2"/>
+          <p:cNvSpPr>
+            <a:spLocks noGrp="1"/>
+          </p:cNvSpPr>
+          <p:nvPr>
+            <p:ph idx="1"/>
+          </p:nvPr>
+        </p:nvSpPr>
+        <p:spPr/>
+        <p:txBody>
+          <a:bodyPr/>
+          <a:lstStyle/>
+          <a:p>
+            <a:r>
+              <a:rPr lang="en-US" dirty="0" smtClean="0"/>
+              <a:t>Three-factor potentials don’t work well</a:t>
+            </a:r>
+          </a:p>
+          <a:p>
+            <a:pPr lvl="1"/>
+            <a:r>
+              <a:rPr lang="en-US" dirty="0" smtClean="0"/>
+              <a:t>Bug in code?</a:t>
+            </a:r>
+          </a:p>
+          <a:p>
+            <a:pPr lvl="1"/>
+            <a:r>
+              <a:rPr lang="en-US" dirty="0" smtClean="0"/>
+              <a:t>Can recover logistic regression</a:t>
+            </a:r>
+          </a:p>
+          <a:p>
+            <a:pPr lvl="1"/>
+            <a:r>
+              <a:rPr lang="en-US" dirty="0" smtClean="0"/>
+              <a:t>Possible that they create feedback loop</a:t>
+            </a:r>
+          </a:p>
+          <a:p>
+            <a:r>
+              <a:rPr lang="en-US" dirty="0" smtClean="0"/>
+              <a:t>Amino acid potentials don’t provide much knowledge</a:t>
+            </a:r>
+          </a:p>
+          <a:p>
+            <a:pPr lvl="1"/>
+            <a:r>
+              <a:rPr lang="en-US" dirty="0" smtClean="0"/>
+              <a:t>Use evolutionary data instead</a:t>
+            </a:r>
+          </a:p>
+          <a:p>
+            <a:pPr lvl="1"/>
+            <a:endParaRPr lang="en-US" dirty="0"/>
+          </a:p>
+        </p:txBody>
+      </p:sp>
+    </p:spTree>
+    <p:extLst>
+      <p:ext uri="{BB962C8B-B14F-4D97-AF65-F5344CB8AC3E}">
+        <p14:creationId xmlns:p14="http://schemas.microsoft.com/office/powerpoint/2010/main" val="3039648865"/>
+      </p:ext>
+    </p:extLst>
+  </p:cSld>
+  <p:clrMapOvr>
+    <a:masterClrMapping/>
+  </p:clrMapOvr>
+</p:sld>
+</file>
+
+<file path=ppt/slides/slide16.xml><?xml version="1.0" encoding="utf-8"?>
 <p:sld xmlns:a="http://schemas.openxmlformats.org/drawingml/2006/main" xmlns:r="http://schemas.openxmlformats.org/officeDocument/2006/relationships" xmlns:p="http://schemas.openxmlformats.org/presentationml/2006/main">
   <p:cSld>
     <p:spTree>
